--- a/Presentatie.pptx
+++ b/Presentatie.pptx
@@ -109,6 +109,11 @@
       </a:defRPr>
     </a:lvl9pPr>
   </p:defaultTextStyle>
+  <p:extLst>
+    <p:ext uri="{EFAFB233-063F-42B5-8137-9DF3F51BA10A}">
+      <p15:sldGuideLst xmlns:p15="http://schemas.microsoft.com/office/powerpoint/2012/main"/>
+    </p:ext>
+  </p:extLst>
 </p:presentation>
 </file>
 
@@ -3880,31 +3885,41 @@
           </a:p>
         </p:txBody>
       </p:sp>
-      <p:sp>
-        <p:nvSpPr>
-          <p:cNvPr id="7" name="Content Placeholder 6">
-            <a:extLst>
-              <a:ext uri="{FF2B5EF4-FFF2-40B4-BE49-F238E27FC236}">
-                <a16:creationId xmlns:a16="http://schemas.microsoft.com/office/drawing/2014/main" id="{B65AC778-640F-422F-84D2-45FC0933AEF4}"/>
-              </a:ext>
-            </a:extLst>
-          </p:cNvPr>
-          <p:cNvSpPr>
-            <a:spLocks noGrp="1"/>
-          </p:cNvSpPr>
+      <p:pic>
+        <p:nvPicPr>
+          <p:cNvPr id="4" name="Content Placeholder 3">
+            <a:extLst>
+              <a:ext uri="{FF2B5EF4-FFF2-40B4-BE49-F238E27FC236}">
+                <a16:creationId xmlns:a16="http://schemas.microsoft.com/office/drawing/2014/main" id="{0EAC4BE6-24E4-48AC-8C48-74B50884A9DD}"/>
+              </a:ext>
+            </a:extLst>
+          </p:cNvPr>
+          <p:cNvPicPr>
+            <a:picLocks noGrp="1" noChangeAspect="1"/>
+          </p:cNvPicPr>
           <p:nvPr>
             <p:ph idx="1"/>
           </p:nvPr>
-        </p:nvSpPr>
-        <p:spPr/>
-        <p:txBody>
-          <a:bodyPr/>
-          <a:lstStyle/>
-          <a:p>
-            <a:endParaRPr lang="en-GB"/>
-          </a:p>
-        </p:txBody>
-      </p:sp>
+        </p:nvPicPr>
+        <p:blipFill>
+          <a:blip r:embed="rId3">
+            <a:extLst>
+              <a:ext uri="{28A0092B-C50C-407E-A947-70E740481C1C}">
+                <a14:useLocalDpi xmlns:a14="http://schemas.microsoft.com/office/drawing/2010/main" val="0"/>
+              </a:ext>
+            </a:extLst>
+          </a:blip>
+          <a:stretch>
+            <a:fillRect/>
+          </a:stretch>
+        </p:blipFill>
+        <p:spPr>
+          <a:xfrm>
+            <a:off x="3514725" y="2633558"/>
+            <a:ext cx="4705350" cy="4093383"/>
+          </a:xfrm>
+        </p:spPr>
+      </p:pic>
     </p:spTree>
     <p:extLst>
       <p:ext uri="{BB962C8B-B14F-4D97-AF65-F5344CB8AC3E}">

--- a/Presentatie.pptx
+++ b/Presentatie.pptx
@@ -3712,10 +3712,10 @@
       </p:grpSpPr>
       <p:sp>
         <p:nvSpPr>
-          <p:cNvPr id="8" name="Rectangle 7">
-            <a:extLst>
-              <a:ext uri="{FF2B5EF4-FFF2-40B4-BE49-F238E27FC236}">
-                <a16:creationId xmlns:a16="http://schemas.microsoft.com/office/drawing/2014/main" id="{4351DFE5-F63D-4BE0-BDA9-E3EB88F01AA5}"/>
+          <p:cNvPr id="15" name="Rectangle 14">
+            <a:extLst>
+              <a:ext uri="{FF2B5EF4-FFF2-40B4-BE49-F238E27FC236}">
+                <a16:creationId xmlns:a16="http://schemas.microsoft.com/office/drawing/2014/main" id="{2CCAFB3E-E6E2-4587-A5FC-061F9AED9AF2}"/>
               </a:ext>
               <a:ext uri="{C183D7F6-B498-43B3-948B-1728B52AA6E4}">
                 <adec:decorative xmlns:adec="http://schemas.microsoft.com/office/drawing/2017/decorative" val="1"/>
@@ -3735,8 +3735,8 @@
         </p:nvSpPr>
         <p:spPr>
           <a:xfrm>
-            <a:off x="355601" y="0"/>
-            <a:ext cx="11480494" cy="2753936"/>
+            <a:off x="0" y="0"/>
+            <a:ext cx="11912600" cy="6858000"/>
           </a:xfrm>
           <a:prstGeom prst="rect">
             <a:avLst/>
@@ -3790,17 +3790,46 @@
           <a:bodyPr rtlCol="0" anchor="ctr"/>
           <a:lstStyle/>
           <a:p>
-            <a:pPr algn="ctr"/>
-            <a:endParaRPr lang="en-US"/>
+            <a:pPr marL="0" marR="0" lvl="0" indent="0" algn="ctr" defTabSz="914400" rtl="0" eaLnBrk="1" fontAlgn="auto" latinLnBrk="0" hangingPunct="1">
+              <a:lnSpc>
+                <a:spcPct val="100000"/>
+              </a:lnSpc>
+              <a:spcBef>
+                <a:spcPts val="0"/>
+              </a:spcBef>
+              <a:spcAft>
+                <a:spcPts val="0"/>
+              </a:spcAft>
+              <a:buClrTx/>
+              <a:buSzTx/>
+              <a:buFontTx/>
+              <a:buNone/>
+              <a:tabLst/>
+              <a:defRPr/>
+            </a:pPr>
+            <a:endParaRPr kumimoji="0" lang="en-US" sz="1800" b="0" i="0" u="none" strike="noStrike" kern="1200" cap="none" spc="0" normalizeH="0" baseline="0" noProof="0">
+              <a:ln>
+                <a:noFill/>
+              </a:ln>
+              <a:solidFill>
+                <a:prstClr val="white"/>
+              </a:solidFill>
+              <a:effectLst/>
+              <a:uLnTx/>
+              <a:uFillTx/>
+              <a:latin typeface="Calibri" panose="020F0502020204030204"/>
+              <a:ea typeface="+mn-ea"/>
+              <a:cs typeface="+mn-cs"/>
+            </a:endParaRPr>
           </a:p>
         </p:txBody>
       </p:sp>
       <p:pic>
         <p:nvPicPr>
-          <p:cNvPr id="10" name="Picture 9">
-            <a:extLst>
-              <a:ext uri="{FF2B5EF4-FFF2-40B4-BE49-F238E27FC236}">
-                <a16:creationId xmlns:a16="http://schemas.microsoft.com/office/drawing/2014/main" id="{3AA16612-ACD2-4A16-8F2B-4514FD6BF28F}"/>
+          <p:cNvPr id="17" name="Picture 16">
+            <a:extLst>
+              <a:ext uri="{FF2B5EF4-FFF2-40B4-BE49-F238E27FC236}">
+                <a16:creationId xmlns:a16="http://schemas.microsoft.com/office/drawing/2014/main" id="{5975841F-9161-4650-BCE5-20FFE7E29615}"/>
               </a:ext>
               <a:ext uri="{C183D7F6-B498-43B3-948B-1728B52AA6E4}">
                 <adec:decorative xmlns:adec="http://schemas.microsoft.com/office/drawing/2017/decorative" val="1"/>
@@ -3818,8 +3847,193 @@
             </p:extLst>
           </p:nvPr>
         </p:nvPicPr>
+        <p:blipFill rotWithShape="1">
+          <a:blip r:embed="rId2">
+            <a:extLst>
+              <a:ext uri="{28A0092B-C50C-407E-A947-70E740481C1C}">
+                <a14:useLocalDpi xmlns:a14="http://schemas.microsoft.com/office/drawing/2010/main" val="0"/>
+              </a:ext>
+            </a:extLst>
+          </a:blip>
+          <a:srcRect l="49933" t="3964" b="3964"/>
+          <a:stretch/>
+        </p:blipFill>
+        <p:spPr>
+          <a:xfrm>
+            <a:off x="575867" y="1"/>
+            <a:ext cx="6629806" cy="6857999"/>
+          </a:xfrm>
+          <a:custGeom>
+            <a:avLst/>
+            <a:gdLst>
+              <a:gd name="connsiteX0" fmla="*/ 0 w 7554138"/>
+              <a:gd name="connsiteY0" fmla="*/ 0 h 6857999"/>
+              <a:gd name="connsiteX1" fmla="*/ 7554138 w 7554138"/>
+              <a:gd name="connsiteY1" fmla="*/ 0 h 6857999"/>
+              <a:gd name="connsiteX2" fmla="*/ 7554138 w 7554138"/>
+              <a:gd name="connsiteY2" fmla="*/ 6857999 h 6857999"/>
+              <a:gd name="connsiteX3" fmla="*/ 0 w 7554138"/>
+              <a:gd name="connsiteY3" fmla="*/ 6857999 h 6857999"/>
+            </a:gdLst>
+            <a:ahLst/>
+            <a:cxnLst>
+              <a:cxn ang="0">
+                <a:pos x="connsiteX0" y="connsiteY0"/>
+              </a:cxn>
+              <a:cxn ang="0">
+                <a:pos x="connsiteX1" y="connsiteY1"/>
+              </a:cxn>
+              <a:cxn ang="0">
+                <a:pos x="connsiteX2" y="connsiteY2"/>
+              </a:cxn>
+              <a:cxn ang="0">
+                <a:pos x="connsiteX3" y="connsiteY3"/>
+              </a:cxn>
+            </a:cxnLst>
+            <a:rect l="l" t="t" r="r" b="b"/>
+            <a:pathLst>
+              <a:path w="7554138" h="6857999">
+                <a:moveTo>
+                  <a:pt x="0" y="0"/>
+                </a:moveTo>
+                <a:lnTo>
+                  <a:pt x="7554138" y="0"/>
+                </a:lnTo>
+                <a:lnTo>
+                  <a:pt x="7554138" y="6857999"/>
+                </a:lnTo>
+                <a:lnTo>
+                  <a:pt x="0" y="6857999"/>
+                </a:lnTo>
+                <a:close/>
+              </a:path>
+            </a:pathLst>
+          </a:custGeom>
+        </p:spPr>
+      </p:pic>
+      <p:sp>
+        <p:nvSpPr>
+          <p:cNvPr id="2" name="Title 1">
+            <a:extLst>
+              <a:ext uri="{FF2B5EF4-FFF2-40B4-BE49-F238E27FC236}">
+                <a16:creationId xmlns:a16="http://schemas.microsoft.com/office/drawing/2014/main" id="{B15F6539-396E-497E-994A-EB606B0EE111}"/>
+              </a:ext>
+            </a:extLst>
+          </p:cNvPr>
+          <p:cNvSpPr>
+            <a:spLocks noGrp="1"/>
+          </p:cNvSpPr>
+          <p:nvPr>
+            <p:ph type="title"/>
+          </p:nvPr>
+        </p:nvSpPr>
+        <p:spPr>
+          <a:xfrm>
+            <a:off x="726057" y="3121701"/>
+            <a:ext cx="3658053" cy="1786515"/>
+          </a:xfrm>
+        </p:spPr>
+        <p:txBody>
+          <a:bodyPr vert="horz" lIns="91440" tIns="45720" rIns="91440" bIns="45720" rtlCol="0" anchor="t">
+            <a:normAutofit/>
+          </a:bodyPr>
+          <a:lstStyle/>
+          <a:p>
+            <a:r>
+              <a:rPr lang="en-US" kern="1200">
+                <a:solidFill>
+                  <a:srgbClr val="FFFFFF"/>
+                </a:solidFill>
+                <a:latin typeface="+mj-lt"/>
+                <a:ea typeface="+mj-ea"/>
+                <a:cs typeface="+mj-cs"/>
+              </a:rPr>
+              <a:t>Python based game</a:t>
+            </a:r>
+          </a:p>
+        </p:txBody>
+      </p:sp>
+      <p:sp>
+        <p:nvSpPr>
+          <p:cNvPr id="19" name="Rectangle 18">
+            <a:extLst>
+              <a:ext uri="{FF2B5EF4-FFF2-40B4-BE49-F238E27FC236}">
+                <a16:creationId xmlns:a16="http://schemas.microsoft.com/office/drawing/2014/main" id="{640086A0-762B-44EE-AA70-A7268A72ACC3}"/>
+              </a:ext>
+              <a:ext uri="{C183D7F6-B498-43B3-948B-1728B52AA6E4}">
+                <adec:decorative xmlns:adec="http://schemas.microsoft.com/office/drawing/2017/decorative" val="1"/>
+              </a:ext>
+            </a:extLst>
+          </p:cNvPr>
+          <p:cNvSpPr>
+            <a:spLocks noGrp="1" noRot="1" noChangeAspect="1" noMove="1" noResize="1" noEditPoints="1" noAdjustHandles="1" noChangeArrowheads="1" noChangeShapeType="1" noTextEdit="1"/>
+          </p:cNvSpPr>
+          <p:nvPr>
+            <p:extLst>
+              <p:ext uri="{386F3935-93C4-4BCD-93E2-E3B085C9AB24}">
+                <p16:designElem xmlns:p16="http://schemas.microsoft.com/office/powerpoint/2015/main" val="1"/>
+              </p:ext>
+            </p:extLst>
+          </p:nvPr>
+        </p:nvSpPr>
+        <p:spPr>
+          <a:xfrm>
+            <a:off x="6291262" y="0"/>
+            <a:ext cx="5900738" cy="6858000"/>
+          </a:xfrm>
+          <a:prstGeom prst="rect">
+            <a:avLst/>
+          </a:prstGeom>
+          <a:solidFill>
+            <a:srgbClr val="FFFFFF"/>
+          </a:solidFill>
+          <a:ln>
+            <a:noFill/>
+          </a:ln>
+        </p:spPr>
+        <p:style>
+          <a:lnRef idx="2">
+            <a:schemeClr val="accent1">
+              <a:shade val="50000"/>
+            </a:schemeClr>
+          </a:lnRef>
+          <a:fillRef idx="1">
+            <a:schemeClr val="accent1"/>
+          </a:fillRef>
+          <a:effectRef idx="0">
+            <a:schemeClr val="accent1"/>
+          </a:effectRef>
+          <a:fontRef idx="minor">
+            <a:schemeClr val="lt1"/>
+          </a:fontRef>
+        </p:style>
+        <p:txBody>
+          <a:bodyPr rtlCol="0" anchor="ctr"/>
+          <a:lstStyle/>
+          <a:p>
+            <a:pPr algn="ctr"/>
+            <a:endParaRPr lang="en-US"/>
+          </a:p>
+        </p:txBody>
+      </p:sp>
+      <p:pic>
+        <p:nvPicPr>
+          <p:cNvPr id="4" name="Content Placeholder 3">
+            <a:extLst>
+              <a:ext uri="{FF2B5EF4-FFF2-40B4-BE49-F238E27FC236}">
+                <a16:creationId xmlns:a16="http://schemas.microsoft.com/office/drawing/2014/main" id="{0EAC4BE6-24E4-48AC-8C48-74B50884A9DD}"/>
+              </a:ext>
+            </a:extLst>
+          </p:cNvPr>
+          <p:cNvPicPr>
+            <a:picLocks noGrp="1" noChangeAspect="1"/>
+          </p:cNvPicPr>
+          <p:nvPr>
+            <p:ph idx="1"/>
+          </p:nvPr>
+        </p:nvPicPr>
         <p:blipFill>
-          <a:blip r:embed="rId2">
+          <a:blip r:embed="rId3">
             <a:extLst>
               <a:ext uri="{28A0092B-C50C-407E-A947-70E740481C1C}">
                 <a14:useLocalDpi xmlns:a14="http://schemas.microsoft.com/office/drawing/2010/main" val="0"/>
@@ -3832,92 +4046,33 @@
         </p:blipFill>
         <p:spPr>
           <a:xfrm>
-            <a:off x="0" y="0"/>
-            <a:ext cx="12192000" cy="6858000"/>
+            <a:off x="5900739" y="1031668"/>
+            <a:ext cx="5507803" cy="4791788"/>
           </a:xfrm>
-          <a:prstGeom prst="rect">
+          <a:custGeom>
             <a:avLst/>
-          </a:prstGeom>
-        </p:spPr>
-      </p:pic>
-      <p:sp>
-        <p:nvSpPr>
-          <p:cNvPr id="2" name="Title 1">
-            <a:extLst>
-              <a:ext uri="{FF2B5EF4-FFF2-40B4-BE49-F238E27FC236}">
-                <a16:creationId xmlns:a16="http://schemas.microsoft.com/office/drawing/2014/main" id="{B15F6539-396E-497E-994A-EB606B0EE111}"/>
-              </a:ext>
-            </a:extLst>
-          </p:cNvPr>
-          <p:cNvSpPr>
-            <a:spLocks noGrp="1"/>
-          </p:cNvSpPr>
-          <p:nvPr>
-            <p:ph type="title"/>
-          </p:nvPr>
-        </p:nvSpPr>
-        <p:spPr>
-          <a:xfrm>
-            <a:off x="1179226" y="826680"/>
-            <a:ext cx="9833548" cy="1325563"/>
-          </a:xfrm>
-        </p:spPr>
-        <p:txBody>
-          <a:bodyPr>
-            <a:normAutofit/>
-          </a:bodyPr>
-          <a:lstStyle/>
-          <a:p>
-            <a:pPr algn="ctr"/>
-            <a:r>
-              <a:rPr lang="en-US" sz="4000" dirty="0">
-                <a:solidFill>
-                  <a:srgbClr val="FFFFFF"/>
-                </a:solidFill>
-              </a:rPr>
-              <a:t>Python based game</a:t>
-            </a:r>
-            <a:endParaRPr lang="en-GB" sz="4000" dirty="0">
-              <a:solidFill>
-                <a:srgbClr val="FFFFFF"/>
-              </a:solidFill>
-            </a:endParaRPr>
-          </a:p>
-        </p:txBody>
-      </p:sp>
-      <p:pic>
-        <p:nvPicPr>
-          <p:cNvPr id="4" name="Content Placeholder 3">
-            <a:extLst>
-              <a:ext uri="{FF2B5EF4-FFF2-40B4-BE49-F238E27FC236}">
-                <a16:creationId xmlns:a16="http://schemas.microsoft.com/office/drawing/2014/main" id="{0EAC4BE6-24E4-48AC-8C48-74B50884A9DD}"/>
-              </a:ext>
-            </a:extLst>
-          </p:cNvPr>
-          <p:cNvPicPr>
-            <a:picLocks noGrp="1" noChangeAspect="1"/>
-          </p:cNvPicPr>
-          <p:nvPr>
-            <p:ph idx="1"/>
-          </p:nvPr>
-        </p:nvPicPr>
-        <p:blipFill>
-          <a:blip r:embed="rId3">
-            <a:extLst>
-              <a:ext uri="{28A0092B-C50C-407E-A947-70E740481C1C}">
-                <a14:useLocalDpi xmlns:a14="http://schemas.microsoft.com/office/drawing/2010/main" val="0"/>
-              </a:ext>
-            </a:extLst>
-          </a:blip>
-          <a:stretch>
-            <a:fillRect/>
-          </a:stretch>
-        </p:blipFill>
-        <p:spPr>
-          <a:xfrm>
-            <a:off x="3514725" y="2633558"/>
-            <a:ext cx="4705350" cy="4093383"/>
-          </a:xfrm>
+            <a:gdLst/>
+            <a:ahLst/>
+            <a:cxnLst/>
+            <a:rect l="l" t="t" r="r" b="b"/>
+            <a:pathLst>
+              <a:path w="5017317" h="5380277">
+                <a:moveTo>
+                  <a:pt x="0" y="0"/>
+                </a:moveTo>
+                <a:lnTo>
+                  <a:pt x="5017317" y="0"/>
+                </a:lnTo>
+                <a:lnTo>
+                  <a:pt x="5017317" y="5380277"/>
+                </a:lnTo>
+                <a:lnTo>
+                  <a:pt x="0" y="5380277"/>
+                </a:lnTo>
+                <a:close/>
+              </a:path>
+            </a:pathLst>
+          </a:custGeom>
         </p:spPr>
       </p:pic>
     </p:spTree>
@@ -4266,12 +4421,12 @@
           <a:chExt cx="0" cy="0"/>
         </a:xfrm>
       </p:grpSpPr>
-      <p:sp useBgFill="1">
-        <p:nvSpPr>
-          <p:cNvPr id="8" name="Rectangle 7">
-            <a:extLst>
-              <a:ext uri="{FF2B5EF4-FFF2-40B4-BE49-F238E27FC236}">
-                <a16:creationId xmlns:a16="http://schemas.microsoft.com/office/drawing/2014/main" id="{3B854194-185D-494D-905C-7C7CB2E30F6E}"/>
+      <p:sp>
+        <p:nvSpPr>
+          <p:cNvPr id="17" name="Rectangle 16">
+            <a:extLst>
+              <a:ext uri="{FF2B5EF4-FFF2-40B4-BE49-F238E27FC236}">
+                <a16:creationId xmlns:a16="http://schemas.microsoft.com/office/drawing/2014/main" id="{2A0E4E09-FC02-4ADC-951A-3FFA90B6FE39}"/>
               </a:ext>
               <a:ext uri="{C183D7F6-B498-43B3-948B-1728B52AA6E4}">
                 <adec:decorative xmlns:adec="http://schemas.microsoft.com/office/drawing/2017/decorative" val="1"/>
@@ -4291,12 +4446,15 @@
         </p:nvSpPr>
         <p:spPr>
           <a:xfrm>
-            <a:off x="1" y="0"/>
-            <a:ext cx="6082110" cy="6858000"/>
+            <a:off x="0" y="0"/>
+            <a:ext cx="12191695" cy="6858000"/>
           </a:xfrm>
           <a:prstGeom prst="rect">
             <a:avLst/>
           </a:prstGeom>
+          <a:solidFill>
+            <a:schemeClr val="bg1"/>
+          </a:solidFill>
           <a:ln>
             <a:noFill/>
           </a:ln>
@@ -4326,21 +4484,59 @@
           </a:p>
         </p:txBody>
       </p:sp>
-      <p:sp>
-        <p:nvSpPr>
-          <p:cNvPr id="10" name="Rectangle 9">
-            <a:extLst>
-              <a:ext uri="{FF2B5EF4-FFF2-40B4-BE49-F238E27FC236}">
-                <a16:creationId xmlns:a16="http://schemas.microsoft.com/office/drawing/2014/main" id="{B4F5FA0D-0104-4987-8241-EFF7C85B88DE}"/>
+      <p:pic>
+        <p:nvPicPr>
+          <p:cNvPr id="5" name="Content Placeholder 4" descr="A picture containing indoor, electronic&#10;&#10;Description automatically generated">
+            <a:extLst>
+              <a:ext uri="{FF2B5EF4-FFF2-40B4-BE49-F238E27FC236}">
+                <a16:creationId xmlns:a16="http://schemas.microsoft.com/office/drawing/2014/main" id="{4019D202-27C9-441C-849C-044EE78F4C0D}"/>
+              </a:ext>
+            </a:extLst>
+          </p:cNvPr>
+          <p:cNvPicPr>
+            <a:picLocks noGrp="1" noChangeAspect="1"/>
+          </p:cNvPicPr>
+          <p:nvPr>
+            <p:ph idx="1"/>
+          </p:nvPr>
+        </p:nvPicPr>
+        <p:blipFill rotWithShape="1">
+          <a:blip r:embed="rId2">
+            <a:alphaModFix/>
+            <a:extLst>
+              <a:ext uri="{28A0092B-C50C-407E-A947-70E740481C1C}">
+                <a14:useLocalDpi xmlns:a14="http://schemas.microsoft.com/office/drawing/2010/main" val="0"/>
+              </a:ext>
+            </a:extLst>
+          </a:blip>
+          <a:srcRect r="19921" b="-1"/>
+          <a:stretch/>
+        </p:blipFill>
+        <p:spPr>
+          <a:xfrm rot="5400000">
+            <a:off x="5551168" y="230472"/>
+            <a:ext cx="6858001" cy="6423053"/>
+          </a:xfrm>
+          <a:prstGeom prst="rect">
+            <a:avLst/>
+          </a:prstGeom>
+        </p:spPr>
+      </p:pic>
+      <p:pic>
+        <p:nvPicPr>
+          <p:cNvPr id="19" name="Picture 18">
+            <a:extLst>
+              <a:ext uri="{FF2B5EF4-FFF2-40B4-BE49-F238E27FC236}">
+                <a16:creationId xmlns:a16="http://schemas.microsoft.com/office/drawing/2014/main" id="{24F266AD-725B-4A9D-B448-4C000F95CB47}"/>
               </a:ext>
               <a:ext uri="{C183D7F6-B498-43B3-948B-1728B52AA6E4}">
                 <adec:decorative xmlns:adec="http://schemas.microsoft.com/office/drawing/2017/decorative" val="1"/>
               </a:ext>
             </a:extLst>
           </p:cNvPr>
-          <p:cNvSpPr>
-            <a:spLocks noGrp="1" noRot="1" noChangeAspect="1" noMove="1" noResize="1" noEditPoints="1" noAdjustHandles="1" noChangeArrowheads="1" noChangeShapeType="1" noTextEdit="1"/>
-          </p:cNvSpPr>
+          <p:cNvPicPr>
+            <a:picLocks noGrp="1" noRot="1" noChangeAspect="1" noMove="1" noResize="1" noEditPoints="1" noAdjustHandles="1" noChangeArrowheads="1" noChangeShapeType="1" noCrop="1"/>
+          </p:cNvPicPr>
           <p:nvPr>
             <p:extLst>
               <p:ext uri="{386F3935-93C4-4BCD-93E2-E3B085C9AB24}">
@@ -4348,42 +4544,255 @@
               </p:ext>
             </p:extLst>
           </p:nvPr>
-        </p:nvSpPr>
+        </p:nvPicPr>
+        <p:blipFill>
+          <a:blip r:embed="rId3">
+            <a:extLst>
+              <a:ext uri="{28A0092B-C50C-407E-A947-70E740481C1C}">
+                <a14:useLocalDpi xmlns:a14="http://schemas.microsoft.com/office/drawing/2010/main" val="0"/>
+              </a:ext>
+            </a:extLst>
+          </a:blip>
+          <a:stretch>
+            <a:fillRect/>
+          </a:stretch>
+        </p:blipFill>
         <p:spPr>
-          <a:xfrm>
-            <a:off x="1" y="0"/>
-            <a:ext cx="12191998" cy="6858000"/>
+          <a:xfrm flipH="1">
+            <a:off x="0" y="0"/>
+            <a:ext cx="12192000" cy="6858000"/>
           </a:xfrm>
           <a:prstGeom prst="rect">
             <a:avLst/>
           </a:prstGeom>
-          <a:gradFill>
-            <a:gsLst>
-              <a:gs pos="0">
-                <a:schemeClr val="accent1">
-                  <a:lumMod val="90000"/>
-                </a:schemeClr>
-              </a:gs>
-              <a:gs pos="25000">
-                <a:schemeClr val="accent1">
-                  <a:lumMod val="90000"/>
-                </a:schemeClr>
-              </a:gs>
-              <a:gs pos="94000">
-                <a:schemeClr val="bg2">
-                  <a:lumMod val="25000"/>
-                </a:schemeClr>
-              </a:gs>
-              <a:gs pos="100000">
-                <a:schemeClr val="bg2">
-                  <a:lumMod val="25000"/>
-                </a:schemeClr>
-              </a:gs>
-            </a:gsLst>
-            <a:lin ang="4200000" scaled="0"/>
-          </a:gradFill>
-          <a:ln>
-            <a:noFill/>
+        </p:spPr>
+      </p:pic>
+      <p:sp>
+        <p:nvSpPr>
+          <p:cNvPr id="2" name="Title 1">
+            <a:extLst>
+              <a:ext uri="{FF2B5EF4-FFF2-40B4-BE49-F238E27FC236}">
+                <a16:creationId xmlns:a16="http://schemas.microsoft.com/office/drawing/2014/main" id="{F19F462B-65C3-45A8-A13C-5C96CBC6C5C4}"/>
+              </a:ext>
+            </a:extLst>
+          </p:cNvPr>
+          <p:cNvSpPr>
+            <a:spLocks noGrp="1"/>
+          </p:cNvSpPr>
+          <p:nvPr>
+            <p:ph type="title"/>
+          </p:nvPr>
+        </p:nvSpPr>
+        <p:spPr>
+          <a:xfrm>
+            <a:off x="481323" y="106391"/>
+            <a:ext cx="4805996" cy="950052"/>
+          </a:xfrm>
+        </p:spPr>
+        <p:txBody>
+          <a:bodyPr vert="horz" lIns="91440" tIns="45720" rIns="91440" bIns="45720" rtlCol="0" anchor="t">
+            <a:normAutofit/>
+          </a:bodyPr>
+          <a:lstStyle/>
+          <a:p>
+            <a:r>
+              <a:rPr lang="en-US">
+                <a:solidFill>
+                  <a:srgbClr val="000000"/>
+                </a:solidFill>
+              </a:rPr>
+              <a:t>3D-camera</a:t>
+            </a:r>
+            <a:endParaRPr lang="en-US" dirty="0">
+              <a:solidFill>
+                <a:srgbClr val="000000"/>
+              </a:solidFill>
+            </a:endParaRPr>
+          </a:p>
+        </p:txBody>
+      </p:sp>
+      <p:pic>
+        <p:nvPicPr>
+          <p:cNvPr id="14" name="Picture 13" descr="A picture containing text&#10;&#10;Description automatically generated">
+            <a:extLst>
+              <a:ext uri="{FF2B5EF4-FFF2-40B4-BE49-F238E27FC236}">
+                <a16:creationId xmlns:a16="http://schemas.microsoft.com/office/drawing/2014/main" id="{0EFD37F4-AE13-41EA-AE06-EF4AD6563775}"/>
+              </a:ext>
+            </a:extLst>
+          </p:cNvPr>
+          <p:cNvPicPr>
+            <a:picLocks noChangeAspect="1"/>
+          </p:cNvPicPr>
+          <p:nvPr/>
+        </p:nvPicPr>
+        <p:blipFill>
+          <a:blip r:embed="rId4">
+            <a:extLst>
+              <a:ext uri="{28A0092B-C50C-407E-A947-70E740481C1C}">
+                <a14:useLocalDpi xmlns:a14="http://schemas.microsoft.com/office/drawing/2010/main" val="0"/>
+              </a:ext>
+            </a:extLst>
+          </a:blip>
+          <a:stretch>
+            <a:fillRect/>
+          </a:stretch>
+        </p:blipFill>
+        <p:spPr>
+          <a:xfrm>
+            <a:off x="87400" y="3648807"/>
+            <a:ext cx="5199920" cy="2645961"/>
+          </a:xfrm>
+          <a:prstGeom prst="rect">
+            <a:avLst/>
+          </a:prstGeom>
+        </p:spPr>
+      </p:pic>
+      <p:cxnSp>
+        <p:nvCxnSpPr>
+          <p:cNvPr id="18" name="Straight Arrow Connector 17">
+            <a:extLst>
+              <a:ext uri="{FF2B5EF4-FFF2-40B4-BE49-F238E27FC236}">
+                <a16:creationId xmlns:a16="http://schemas.microsoft.com/office/drawing/2014/main" id="{0883D195-3F56-45AD-A4F5-7F5591790D10}"/>
+              </a:ext>
+            </a:extLst>
+          </p:cNvPr>
+          <p:cNvCxnSpPr>
+            <a:stCxn id="11" idx="3"/>
+          </p:cNvCxnSpPr>
+          <p:nvPr/>
+        </p:nvCxnSpPr>
+        <p:spPr>
+          <a:xfrm>
+            <a:off x="5392493" y="1905480"/>
+            <a:ext cx="2561899" cy="411592"/>
+          </a:xfrm>
+          <a:prstGeom prst="straightConnector1">
+            <a:avLst/>
+          </a:prstGeom>
+          <a:ln w="57150">
+            <a:tailEnd type="triangle"/>
+          </a:ln>
+        </p:spPr>
+        <p:style>
+          <a:lnRef idx="1">
+            <a:schemeClr val="accent1"/>
+          </a:lnRef>
+          <a:fillRef idx="0">
+            <a:schemeClr val="accent1"/>
+          </a:fillRef>
+          <a:effectRef idx="0">
+            <a:schemeClr val="accent1"/>
+          </a:effectRef>
+          <a:fontRef idx="minor">
+            <a:schemeClr val="tx1"/>
+          </a:fontRef>
+        </p:style>
+      </p:cxnSp>
+      <p:cxnSp>
+        <p:nvCxnSpPr>
+          <p:cNvPr id="25" name="Straight Arrow Connector 24">
+            <a:extLst>
+              <a:ext uri="{FF2B5EF4-FFF2-40B4-BE49-F238E27FC236}">
+                <a16:creationId xmlns:a16="http://schemas.microsoft.com/office/drawing/2014/main" id="{578736FE-9A65-4984-AA3C-A4DBF9405CB2}"/>
+              </a:ext>
+            </a:extLst>
+          </p:cNvPr>
+          <p:cNvCxnSpPr>
+            <a:cxnSpLocks/>
+            <a:stCxn id="11" idx="3"/>
+          </p:cNvCxnSpPr>
+          <p:nvPr/>
+        </p:nvCxnSpPr>
+        <p:spPr>
+          <a:xfrm>
+            <a:off x="5392493" y="1905480"/>
+            <a:ext cx="4080286" cy="411272"/>
+          </a:xfrm>
+          <a:prstGeom prst="straightConnector1">
+            <a:avLst/>
+          </a:prstGeom>
+          <a:ln w="57150">
+            <a:tailEnd type="triangle"/>
+          </a:ln>
+        </p:spPr>
+        <p:style>
+          <a:lnRef idx="1">
+            <a:schemeClr val="accent1"/>
+          </a:lnRef>
+          <a:fillRef idx="0">
+            <a:schemeClr val="accent1"/>
+          </a:fillRef>
+          <a:effectRef idx="0">
+            <a:schemeClr val="accent1"/>
+          </a:effectRef>
+          <a:fontRef idx="minor">
+            <a:schemeClr val="tx1"/>
+          </a:fontRef>
+        </p:style>
+      </p:cxnSp>
+      <p:sp>
+        <p:nvSpPr>
+          <p:cNvPr id="48" name="Freeform: Shape 47">
+            <a:extLst>
+              <a:ext uri="{FF2B5EF4-FFF2-40B4-BE49-F238E27FC236}">
+                <a16:creationId xmlns:a16="http://schemas.microsoft.com/office/drawing/2014/main" id="{035CC2FA-71AE-424F-A1A6-1C8F817405BC}"/>
+              </a:ext>
+            </a:extLst>
+          </p:cNvPr>
+          <p:cNvSpPr/>
+          <p:nvPr/>
+        </p:nvSpPr>
+        <p:spPr>
+          <a:xfrm>
+            <a:off x="2290134" y="2555227"/>
+            <a:ext cx="7501631" cy="1447143"/>
+          </a:xfrm>
+          <a:custGeom>
+            <a:avLst/>
+            <a:gdLst>
+              <a:gd name="connsiteX0" fmla="*/ 0 w 7501631"/>
+              <a:gd name="connsiteY0" fmla="*/ 53266 h 1447143"/>
+              <a:gd name="connsiteX1" fmla="*/ 4563122 w 7501631"/>
+              <a:gd name="connsiteY1" fmla="*/ 1447060 h 1447143"/>
+              <a:gd name="connsiteX2" fmla="*/ 7501631 w 7501631"/>
+              <a:gd name="connsiteY2" fmla="*/ 0 h 1447143"/>
+            </a:gdLst>
+            <a:ahLst/>
+            <a:cxnLst>
+              <a:cxn ang="0">
+                <a:pos x="connsiteX0" y="connsiteY0"/>
+              </a:cxn>
+              <a:cxn ang="0">
+                <a:pos x="connsiteX1" y="connsiteY1"/>
+              </a:cxn>
+              <a:cxn ang="0">
+                <a:pos x="connsiteX2" y="connsiteY2"/>
+              </a:cxn>
+            </a:cxnLst>
+            <a:rect l="l" t="t" r="r" b="b"/>
+            <a:pathLst>
+              <a:path w="7501631" h="1447143">
+                <a:moveTo>
+                  <a:pt x="0" y="53266"/>
+                </a:moveTo>
+                <a:cubicBezTo>
+                  <a:pt x="1656425" y="754602"/>
+                  <a:pt x="3312850" y="1455938"/>
+                  <a:pt x="4563122" y="1447060"/>
+                </a:cubicBezTo>
+                <a:cubicBezTo>
+                  <a:pt x="5813394" y="1438182"/>
+                  <a:pt x="7017798" y="176074"/>
+                  <a:pt x="7501631" y="0"/>
+                </a:cubicBezTo>
+              </a:path>
+            </a:pathLst>
+          </a:custGeom>
+          <a:noFill/>
+          <a:ln w="57150">
+            <a:solidFill>
+              <a:schemeClr val="accent1"/>
+            </a:solidFill>
           </a:ln>
         </p:spPr>
         <p:style>
@@ -4407,35 +4816,32 @@
           <a:lstStyle/>
           <a:p>
             <a:pPr algn="ctr"/>
-            <a:endParaRPr lang="en-US"/>
+            <a:endParaRPr lang="en-GB">
+              <a:solidFill>
+                <a:schemeClr val="accent5">
+                  <a:lumMod val="75000"/>
+                </a:schemeClr>
+              </a:solidFill>
+            </a:endParaRPr>
           </a:p>
         </p:txBody>
       </p:sp>
       <p:pic>
         <p:nvPicPr>
-          <p:cNvPr id="12" name="Picture 11">
-            <a:extLst>
-              <a:ext uri="{FF2B5EF4-FFF2-40B4-BE49-F238E27FC236}">
-                <a16:creationId xmlns:a16="http://schemas.microsoft.com/office/drawing/2014/main" id="{2897127E-6CEF-446C-BE87-93B7C46E49D1}"/>
-              </a:ext>
-              <a:ext uri="{C183D7F6-B498-43B3-948B-1728B52AA6E4}">
-                <adec:decorative xmlns:adec="http://schemas.microsoft.com/office/drawing/2017/decorative" val="1"/>
+          <p:cNvPr id="11" name="Picture 10" descr="A picture containing text, person&#10;&#10;Description automatically generated">
+            <a:extLst>
+              <a:ext uri="{FF2B5EF4-FFF2-40B4-BE49-F238E27FC236}">
+                <a16:creationId xmlns:a16="http://schemas.microsoft.com/office/drawing/2014/main" id="{990EEBF7-F261-4B04-BDB5-6599BCC18653}"/>
               </a:ext>
             </a:extLst>
           </p:cNvPr>
           <p:cNvPicPr>
-            <a:picLocks noGrp="1" noRot="1" noChangeAspect="1" noMove="1" noResize="1" noEditPoints="1" noAdjustHandles="1" noChangeArrowheads="1" noChangeShapeType="1" noCrop="1"/>
+            <a:picLocks noChangeAspect="1"/>
           </p:cNvPicPr>
-          <p:nvPr>
-            <p:extLst>
-              <p:ext uri="{386F3935-93C4-4BCD-93E2-E3B085C9AB24}">
-                <p16:designElem xmlns:p16="http://schemas.microsoft.com/office/powerpoint/2015/main" val="1"/>
-              </p:ext>
-            </p:extLst>
-          </p:nvPr>
+          <p:nvPr/>
         </p:nvPicPr>
         <p:blipFill>
-          <a:blip r:embed="rId2">
+          <a:blip r:embed="rId5">
             <a:extLst>
               <a:ext uri="{28A0092B-C50C-407E-A947-70E740481C1C}">
                 <a14:useLocalDpi xmlns:a14="http://schemas.microsoft.com/office/drawing/2010/main" val="0"/>
@@ -4448,94 +4854,55 @@
         </p:blipFill>
         <p:spPr>
           <a:xfrm>
-            <a:off x="0" y="0"/>
-            <a:ext cx="12192000" cy="6858000"/>
+            <a:off x="87399" y="1162834"/>
+            <a:ext cx="5305094" cy="1485291"/>
           </a:xfrm>
           <a:prstGeom prst="rect">
             <a:avLst/>
           </a:prstGeom>
         </p:spPr>
       </p:pic>
-      <p:sp>
-        <p:nvSpPr>
-          <p:cNvPr id="2" name="Title 1">
-            <a:extLst>
-              <a:ext uri="{FF2B5EF4-FFF2-40B4-BE49-F238E27FC236}">
-                <a16:creationId xmlns:a16="http://schemas.microsoft.com/office/drawing/2014/main" id="{F19F462B-65C3-45A8-A13C-5C96CBC6C5C4}"/>
-              </a:ext>
-            </a:extLst>
-          </p:cNvPr>
-          <p:cNvSpPr>
-            <a:spLocks noGrp="1"/>
-          </p:cNvSpPr>
-          <p:nvPr>
-            <p:ph type="title"/>
-          </p:nvPr>
-        </p:nvSpPr>
+      <p:cxnSp>
+        <p:nvCxnSpPr>
+          <p:cNvPr id="50" name="Straight Arrow Connector 49">
+            <a:extLst>
+              <a:ext uri="{FF2B5EF4-FFF2-40B4-BE49-F238E27FC236}">
+                <a16:creationId xmlns:a16="http://schemas.microsoft.com/office/drawing/2014/main" id="{67B03051-BC47-4C10-871E-43E2FD9D007A}"/>
+              </a:ext>
+            </a:extLst>
+          </p:cNvPr>
+          <p:cNvCxnSpPr>
+            <a:cxnSpLocks/>
+          </p:cNvCxnSpPr>
+          <p:nvPr/>
+        </p:nvCxnSpPr>
         <p:spPr>
-          <a:xfrm>
-            <a:off x="640079" y="2053641"/>
-            <a:ext cx="3669161" cy="2760098"/>
+          <a:xfrm flipV="1">
+            <a:off x="9768419" y="2305337"/>
+            <a:ext cx="128161" cy="273079"/>
           </a:xfrm>
+          <a:prstGeom prst="straightConnector1">
+            <a:avLst/>
+          </a:prstGeom>
+          <a:ln w="57150">
+            <a:tailEnd type="triangle"/>
+          </a:ln>
         </p:spPr>
-        <p:txBody>
-          <a:bodyPr>
-            <a:normAutofit/>
-          </a:bodyPr>
-          <a:lstStyle/>
-          <a:p>
-            <a:r>
-              <a:rPr lang="en-US" dirty="0">
-                <a:solidFill>
-                  <a:srgbClr val="FFFFFF"/>
-                </a:solidFill>
-              </a:rPr>
-              <a:t>3D-camera</a:t>
-            </a:r>
-            <a:endParaRPr lang="en-GB" dirty="0">
-              <a:solidFill>
-                <a:srgbClr val="FFFFFF"/>
-              </a:solidFill>
-            </a:endParaRPr>
-          </a:p>
-        </p:txBody>
-      </p:sp>
-      <p:sp>
-        <p:nvSpPr>
-          <p:cNvPr id="3" name="Content Placeholder 2">
-            <a:extLst>
-              <a:ext uri="{FF2B5EF4-FFF2-40B4-BE49-F238E27FC236}">
-                <a16:creationId xmlns:a16="http://schemas.microsoft.com/office/drawing/2014/main" id="{AFA238DE-B060-4680-BBA5-FF78F453EF1E}"/>
-              </a:ext>
-            </a:extLst>
-          </p:cNvPr>
-          <p:cNvSpPr>
-            <a:spLocks noGrp="1"/>
-          </p:cNvSpPr>
-          <p:nvPr>
-            <p:ph idx="1"/>
-          </p:nvPr>
-        </p:nvSpPr>
-        <p:spPr>
-          <a:xfrm>
-            <a:off x="6090574" y="801866"/>
-            <a:ext cx="5306084" cy="5230634"/>
-          </a:xfrm>
-        </p:spPr>
-        <p:txBody>
-          <a:bodyPr anchor="ctr">
-            <a:normAutofit/>
-          </a:bodyPr>
-          <a:lstStyle/>
-          <a:p>
-            <a:endParaRPr lang="en-GB" sz="2400">
-              <a:solidFill>
-                <a:srgbClr val="000000"/>
-              </a:solidFill>
-            </a:endParaRPr>
-          </a:p>
-        </p:txBody>
-      </p:sp>
+        <p:style>
+          <a:lnRef idx="1">
+            <a:schemeClr val="accent1"/>
+          </a:lnRef>
+          <a:fillRef idx="0">
+            <a:schemeClr val="accent1"/>
+          </a:fillRef>
+          <a:effectRef idx="0">
+            <a:schemeClr val="accent1"/>
+          </a:effectRef>
+          <a:fontRef idx="minor">
+            <a:schemeClr val="tx1"/>
+          </a:fontRef>
+        </p:style>
+      </p:cxnSp>
     </p:spTree>
     <p:extLst>
       <p:ext uri="{BB962C8B-B14F-4D97-AF65-F5344CB8AC3E}">
